--- a/Slides/Lecture10 - Mobile and Desktop Applications with C#.pptx
+++ b/Slides/Lecture10 - Mobile and Desktop Applications with C#.pptx
@@ -5,16 +5,20 @@
     <p:sldMasterId id="2147484229" r:id="rId1"/>
   </p:sldMasterIdLst>
   <p:notesMasterIdLst>
-    <p:notesMasterId r:id="rId6"/>
+    <p:notesMasterId r:id="rId10"/>
   </p:notesMasterIdLst>
   <p:handoutMasterIdLst>
-    <p:handoutMasterId r:id="rId7"/>
+    <p:handoutMasterId r:id="rId11"/>
   </p:handoutMasterIdLst>
   <p:sldIdLst>
     <p:sldId id="2076138457" r:id="rId2"/>
-    <p:sldId id="2076138514" r:id="rId3"/>
-    <p:sldId id="2076138520" r:id="rId4"/>
-    <p:sldId id="2076138521" r:id="rId5"/>
+    <p:sldId id="2076138522" r:id="rId3"/>
+    <p:sldId id="2076138514" r:id="rId4"/>
+    <p:sldId id="2076138523" r:id="rId5"/>
+    <p:sldId id="2076138524" r:id="rId6"/>
+    <p:sldId id="2076138525" r:id="rId7"/>
+    <p:sldId id="2076138520" r:id="rId8"/>
+    <p:sldId id="2076138521" r:id="rId9"/>
   </p:sldIdLst>
   <p:sldSz cx="12192000" cy="6858000"/>
   <p:notesSz cx="6858000" cy="9144000"/>
@@ -238,7 +242,7 @@
               <a:rPr lang="en-US" smtClean="0">
                 <a:latin typeface="Segoe UI" pitchFamily="34" charset="0"/>
               </a:rPr>
-              <a:t>11/6/2021 10:56 AM</a:t>
+              <a:t>11/10/2021 7:54 AM</a:t>
             </a:fld>
             <a:endParaRPr lang="en-US" dirty="0">
               <a:latin typeface="Segoe UI" pitchFamily="34" charset="0"/>
@@ -516,7 +520,7 @@
           <a:p>
             <a:fld id="{386CE63F-9E7F-4C04-9D0D-FCA25A8E9E86}" type="datetime8">
               <a:rPr lang="en-US" smtClean="0"/>
-              <a:t>11/6/2021 10:56 AM</a:t>
+              <a:t>11/10/2021 7:53 AM</a:t>
             </a:fld>
             <a:endParaRPr lang="en-US" dirty="0"/>
           </a:p>
@@ -56321,10 +56325,10 @@
       </p:sp>
       <p:pic>
         <p:nvPicPr>
-          <p:cNvPr id="6" name="Picture Placeholder 5" descr="A spider in a web&#10;&#10;Description automatically generated">
-            <a:extLst>
-              <a:ext uri="{FF2B5EF4-FFF2-40B4-BE49-F238E27FC236}">
-                <a16:creationId xmlns:a16="http://schemas.microsoft.com/office/drawing/2014/main" id="{7946F6D9-7AE8-4C82-906D-C5F85DA58E9D}"/>
+          <p:cNvPr id="8" name="Picture Placeholder 7" descr="A computer on a table&#10;&#10;Description automatically generated with low confidence">
+            <a:extLst>
+              <a:ext uri="{FF2B5EF4-FFF2-40B4-BE49-F238E27FC236}">
+                <a16:creationId xmlns:a16="http://schemas.microsoft.com/office/drawing/2014/main" id="{CAEE708F-A9D5-43BA-8A21-32E26CD5F83B}"/>
               </a:ext>
             </a:extLst>
           </p:cNvPr>
@@ -56343,13 +56347,61 @@
               </a:ext>
             </a:extLst>
           </a:blip>
-          <a:srcRect l="16667" r="16667"/>
+          <a:srcRect t="65" b="65"/>
           <a:stretch>
             <a:fillRect/>
           </a:stretch>
         </p:blipFill>
         <p:spPr/>
       </p:pic>
+      <p:sp>
+        <p:nvSpPr>
+          <p:cNvPr id="9" name="TextBox 8">
+            <a:extLst>
+              <a:ext uri="{FF2B5EF4-FFF2-40B4-BE49-F238E27FC236}">
+                <a16:creationId xmlns:a16="http://schemas.microsoft.com/office/drawing/2014/main" id="{6E4BA39E-1BD5-4ED0-A334-4FE1DD87B2B3}"/>
+              </a:ext>
+            </a:extLst>
+          </p:cNvPr>
+          <p:cNvSpPr txBox="1"/>
+          <p:nvPr/>
+        </p:nvSpPr>
+        <p:spPr>
+          <a:xfrm>
+            <a:off x="5334000" y="6858000"/>
+            <a:ext cx="6858000" cy="138499"/>
+          </a:xfrm>
+          <a:prstGeom prst="rect">
+            <a:avLst/>
+          </a:prstGeom>
+          <a:noFill/>
+        </p:spPr>
+        <p:txBody>
+          <a:bodyPr wrap="square" lIns="0" tIns="0" rIns="0" bIns="0" rtlCol="0">
+            <a:spAutoFit/>
+          </a:bodyPr>
+          <a:lstStyle/>
+          <a:p>
+            <a:r>
+              <a:rPr lang="en-US" sz="900">
+                <a:hlinkClick r:id="rId3" tooltip="https://commons.wikimedia.org/wiki/File:Ordi-portable-milouf-img_0999.jpg"/>
+              </a:rPr>
+              <a:t>This Photo</a:t>
+            </a:r>
+            <a:r>
+              <a:rPr lang="en-US" sz="900"/>
+              <a:t> by Unknown Author is licensed under </a:t>
+            </a:r>
+            <a:r>
+              <a:rPr lang="en-US" sz="900">
+                <a:hlinkClick r:id="rId4" tooltip="https://creativecommons.org/licenses/by-sa/3.0/"/>
+              </a:rPr>
+              <a:t>CC BY-SA</a:t>
+            </a:r>
+            <a:endParaRPr lang="en-US" sz="900"/>
+          </a:p>
+        </p:txBody>
+      </p:sp>
     </p:spTree>
     <p:extLst>
       <p:ext uri="{BB962C8B-B14F-4D97-AF65-F5344CB8AC3E}">
@@ -56385,10 +56437,10 @@
       </p:grpSpPr>
       <p:pic>
         <p:nvPicPr>
-          <p:cNvPr id="11" name="Picture 10" descr="A pencil on a piece of paper&#10;&#10;Description automatically generated with medium confidence">
-            <a:extLst>
-              <a:ext uri="{FF2B5EF4-FFF2-40B4-BE49-F238E27FC236}">
-                <a16:creationId xmlns:a16="http://schemas.microsoft.com/office/drawing/2014/main" id="{1ABFD933-2F81-46D6-A8CF-E96873320ABC}"/>
+          <p:cNvPr id="9" name="Picture 8">
+            <a:extLst>
+              <a:ext uri="{FF2B5EF4-FFF2-40B4-BE49-F238E27FC236}">
+                <a16:creationId xmlns:a16="http://schemas.microsoft.com/office/drawing/2014/main" id="{78E1B751-443C-4DA8-8525-7B390F0EAEB7}"/>
               </a:ext>
             </a:extLst>
           </p:cNvPr>
@@ -56400,143 +56452,192 @@
         <p:blipFill rotWithShape="1">
           <a:blip r:embed="rId2">
             <a:extLst>
+              <a:ext uri="{BEBA8EAE-BF5A-486C-A8C5-ECC9F3942E4B}">
+                <a14:imgProps xmlns:a14="http://schemas.microsoft.com/office/drawing/2010/main">
+                  <a14:imgLayer r:embed="rId3">
+                    <a14:imgEffect>
+                      <a14:artisticBlur radius="16"/>
+                    </a14:imgEffect>
+                  </a14:imgLayer>
+                </a14:imgProps>
+              </a:ext>
               <a:ext uri="{837473B0-CC2E-450A-ABE3-18F120FF3D39}">
-                <a1611:picAttrSrcUrl xmlns:a1611="http://schemas.microsoft.com/office/drawing/2016/11/main" r:id="rId3"/>
+                <a1611:picAttrSrcUrl xmlns:a1611="http://schemas.microsoft.com/office/drawing/2016/11/main" r:id="rId4"/>
               </a:ext>
             </a:extLst>
           </a:blip>
-          <a:srcRect r="41176" b="33785"/>
+          <a:srcRect b="21137"/>
           <a:stretch/>
         </p:blipFill>
         <p:spPr>
           <a:xfrm>
-            <a:off x="0" y="-106832"/>
-            <a:ext cx="12191999" cy="6964832"/>
+            <a:off x="-109298" y="-1"/>
+            <a:ext cx="12305846" cy="6858001"/>
+          </a:xfrm>
+          <a:prstGeom prst="rect">
+            <a:avLst/>
+          </a:prstGeom>
+        </p:spPr>
+      </p:pic>
+      <p:pic>
+        <p:nvPicPr>
+          <p:cNvPr id="1032" name="Picture 8" descr="Profilfoto af Ali Reza Farahnak">
+            <a:extLst>
+              <a:ext uri="{FF2B5EF4-FFF2-40B4-BE49-F238E27FC236}">
+                <a16:creationId xmlns:a16="http://schemas.microsoft.com/office/drawing/2014/main" id="{E47F64C3-D7E7-42C4-865B-40688170E72D}"/>
+              </a:ext>
+            </a:extLst>
+          </p:cNvPr>
+          <p:cNvPicPr>
+            <a:picLocks noChangeAspect="1" noChangeArrowheads="1"/>
+          </p:cNvPicPr>
+          <p:nvPr/>
+        </p:nvPicPr>
+        <p:blipFill>
+          <a:blip r:embed="rId5">
+            <a:extLst>
+              <a:ext uri="{28A0092B-C50C-407E-A947-70E740481C1C}">
+                <a14:useLocalDpi xmlns:a14="http://schemas.microsoft.com/office/drawing/2010/main" val="0"/>
+              </a:ext>
+            </a:extLst>
+          </a:blip>
+          <a:srcRect/>
+          <a:stretch>
+            <a:fillRect/>
+          </a:stretch>
+        </p:blipFill>
+        <p:spPr bwMode="auto">
+          <a:xfrm>
+            <a:off x="464976" y="3135084"/>
+            <a:ext cx="3303037" cy="3303037"/>
+          </a:xfrm>
+          <a:prstGeom prst="ellipse">
+            <a:avLst/>
+          </a:prstGeom>
+          <a:ln w="190500" cap="rnd">
+            <a:solidFill>
+              <a:srgbClr val="C8C6BD"/>
+            </a:solidFill>
+            <a:prstDash val="solid"/>
+          </a:ln>
+          <a:effectLst>
+            <a:outerShdw blurRad="127000" algn="bl" rotWithShape="0">
+              <a:srgbClr val="000000"/>
+            </a:outerShdw>
+          </a:effectLst>
+          <a:scene3d>
+            <a:camera prst="perspectiveFront" fov="5400000"/>
+            <a:lightRig rig="threePt" dir="t">
+              <a:rot lat="0" lon="0" rev="19200000"/>
+            </a:lightRig>
+          </a:scene3d>
+          <a:sp3d extrusionH="25400">
+            <a:bevelT w="304800" h="152400" prst="hardEdge"/>
+            <a:extrusionClr>
+              <a:srgbClr val="000000"/>
+            </a:extrusionClr>
+          </a:sp3d>
+          <a:extLst>
+            <a:ext uri="{909E8E84-426E-40DD-AFC4-6F175D3DCCD1}">
+              <a14:hiddenFill xmlns:a14="http://schemas.microsoft.com/office/drawing/2010/main">
+                <a:solidFill>
+                  <a:srgbClr val="FFFFFF"/>
+                </a:solidFill>
+              </a14:hiddenFill>
+            </a:ext>
+          </a:extLst>
+        </p:spPr>
+      </p:pic>
+      <p:sp>
+        <p:nvSpPr>
+          <p:cNvPr id="7" name="TextBox 6">
+            <a:extLst>
+              <a:ext uri="{FF2B5EF4-FFF2-40B4-BE49-F238E27FC236}">
+                <a16:creationId xmlns:a16="http://schemas.microsoft.com/office/drawing/2014/main" id="{262884D6-E241-485E-A537-A56B51EB939A}"/>
+              </a:ext>
+            </a:extLst>
+          </p:cNvPr>
+          <p:cNvSpPr txBox="1"/>
+          <p:nvPr/>
+        </p:nvSpPr>
+        <p:spPr>
+          <a:xfrm>
+            <a:off x="4019939" y="3801717"/>
+            <a:ext cx="7707085" cy="1969770"/>
           </a:xfrm>
           <a:prstGeom prst="rect">
             <a:avLst/>
           </a:prstGeom>
           <a:noFill/>
         </p:spPr>
-      </p:pic>
-      <p:sp>
-        <p:nvSpPr>
-          <p:cNvPr id="5" name="Title 4">
-            <a:extLst>
-              <a:ext uri="{FF2B5EF4-FFF2-40B4-BE49-F238E27FC236}">
-                <a16:creationId xmlns:a16="http://schemas.microsoft.com/office/drawing/2014/main" id="{142EE401-AC4D-4251-8214-E1246F6CC9E3}"/>
-              </a:ext>
-            </a:extLst>
-          </p:cNvPr>
-          <p:cNvSpPr>
-            <a:spLocks noGrp="1"/>
-          </p:cNvSpPr>
-          <p:nvPr>
-            <p:ph type="title" idx="4294967295"/>
-          </p:nvPr>
-        </p:nvSpPr>
-        <p:spPr>
-          <a:xfrm>
-            <a:off x="584200" y="457200"/>
-            <a:ext cx="4416425" cy="553998"/>
-          </a:xfrm>
-        </p:spPr>
-        <p:txBody>
-          <a:bodyPr wrap="square" anchor="t">
-            <a:normAutofit/>
+        <p:txBody>
+          <a:bodyPr wrap="square" lIns="0" tIns="0" rIns="0" bIns="0" rtlCol="0">
+            <a:spAutoFit/>
           </a:bodyPr>
           <a:lstStyle/>
           <a:p>
-            <a:r>
-              <a:rPr lang="en-US" noProof="0" dirty="0"/>
-              <a:t>Agenda</a:t>
-            </a:r>
-          </a:p>
-        </p:txBody>
-      </p:sp>
-      <p:sp>
-        <p:nvSpPr>
-          <p:cNvPr id="6" name="Text Placeholder 5">
-            <a:extLst>
-              <a:ext uri="{FF2B5EF4-FFF2-40B4-BE49-F238E27FC236}">
-                <a16:creationId xmlns:a16="http://schemas.microsoft.com/office/drawing/2014/main" id="{F028372C-E3E3-443E-813E-6992300B3081}"/>
-              </a:ext>
-            </a:extLst>
-          </p:cNvPr>
-          <p:cNvSpPr>
-            <a:spLocks noGrp="1"/>
-          </p:cNvSpPr>
-          <p:nvPr>
-            <p:ph type="body" sz="quarter" idx="11"/>
-          </p:nvPr>
-        </p:nvSpPr>
-        <p:spPr>
-          <a:xfrm>
-            <a:off x="584200" y="1436688"/>
-            <a:ext cx="5411486" cy="4049712"/>
-          </a:xfrm>
-        </p:spPr>
-        <p:txBody>
-          <a:bodyPr wrap="square">
-            <a:normAutofit/>
-          </a:bodyPr>
-          <a:lstStyle/>
-          <a:p>
-            <a:r>
-              <a:rPr lang="en-US" noProof="0" dirty="0"/>
-              <a:t>Upgrading .NET applications</a:t>
-            </a:r>
-          </a:p>
-          <a:p>
-            <a:r>
-              <a:rPr lang="en-US" dirty="0" err="1"/>
-              <a:t>Blazor</a:t>
-            </a:r>
-            <a:r>
-              <a:rPr lang="en-US" dirty="0"/>
-              <a:t> follow-up</a:t>
-            </a:r>
-          </a:p>
-          <a:p>
-            <a:r>
-              <a:rPr lang="en-US" dirty="0"/>
-              <a:t>Windows Applications</a:t>
-            </a:r>
-          </a:p>
-          <a:p>
-            <a:pPr marL="342900" indent="-342900">
-              <a:buFontTx/>
-              <a:buChar char="-"/>
-            </a:pPr>
-            <a:r>
-              <a:rPr lang="en-US" dirty="0"/>
-              <a:t>Windows Forms (WinForms)</a:t>
-            </a:r>
-          </a:p>
-          <a:p>
-            <a:pPr marL="342900" indent="-342900">
-              <a:buFontTx/>
-              <a:buChar char="-"/>
-            </a:pPr>
-            <a:r>
-              <a:rPr lang="en-US" dirty="0"/>
-              <a:t>Windows Presentation Foundation (WPF)</a:t>
-            </a:r>
-          </a:p>
-          <a:p>
-            <a:r>
-              <a:rPr lang="en-US" dirty="0"/>
-              <a:t>.NET Multi-platform App UI (MAUI)</a:t>
-            </a:r>
-          </a:p>
-        </p:txBody>
-      </p:sp>
-      <p:sp>
-        <p:nvSpPr>
-          <p:cNvPr id="12" name="TextBox 11">
-            <a:extLst>
-              <a:ext uri="{FF2B5EF4-FFF2-40B4-BE49-F238E27FC236}">
-                <a16:creationId xmlns:a16="http://schemas.microsoft.com/office/drawing/2014/main" id="{0FCD991C-C174-4CF3-A5B0-C992EB49D0F8}"/>
+            <a:pPr algn="l"/>
+            <a:r>
+              <a:rPr lang="en-US" sz="3200" i="0" dirty="0">
+                <a:solidFill>
+                  <a:srgbClr val="FFFFFF"/>
+                </a:solidFill>
+                <a:effectLst/>
+              </a:rPr>
+              <a:t>Guest Lecture</a:t>
+            </a:r>
+          </a:p>
+          <a:p>
+            <a:pPr algn="l"/>
+            <a:r>
+              <a:rPr lang="en-US" sz="3200" i="0" dirty="0">
+                <a:solidFill>
+                  <a:srgbClr val="FFFFFF"/>
+                </a:solidFill>
+                <a:effectLst/>
+              </a:rPr>
+              <a:t>Ali Reza Farahnak</a:t>
+            </a:r>
+          </a:p>
+          <a:p>
+            <a:pPr algn="l"/>
+            <a:r>
+              <a:rPr lang="en-US" sz="3200" i="0" dirty="0">
+                <a:solidFill>
+                  <a:srgbClr val="FFFFFF"/>
+                </a:solidFill>
+                <a:effectLst/>
+              </a:rPr>
+              <a:t>Global Senior Customer Engineer</a:t>
+            </a:r>
+          </a:p>
+          <a:p>
+            <a:pPr algn="l"/>
+            <a:r>
+              <a:rPr lang="en-US" sz="3200" dirty="0">
+                <a:solidFill>
+                  <a:srgbClr val="FFFFFF"/>
+                </a:solidFill>
+              </a:rPr>
+              <a:t>Mobile Application Development with C</a:t>
+            </a:r>
+            <a:r>
+              <a:rPr lang="en-US" sz="3200" baseline="30000" dirty="0">
+                <a:solidFill>
+                  <a:srgbClr val="FFFFFF"/>
+                </a:solidFill>
+              </a:rPr>
+              <a:t>♯</a:t>
+            </a:r>
+          </a:p>
+        </p:txBody>
+      </p:sp>
+      <p:sp>
+        <p:nvSpPr>
+          <p:cNvPr id="10" name="TextBox 9">
+            <a:extLst>
+              <a:ext uri="{FF2B5EF4-FFF2-40B4-BE49-F238E27FC236}">
+                <a16:creationId xmlns:a16="http://schemas.microsoft.com/office/drawing/2014/main" id="{BDF7F618-058F-4ADA-9B51-214C9EF15D71}"/>
               </a:ext>
             </a:extLst>
           </p:cNvPr>
@@ -56545,77 +56646,44 @@
         </p:nvSpPr>
         <p:spPr>
           <a:xfrm>
-            <a:off x="9581417" y="7188608"/>
-            <a:ext cx="2511906" cy="107722"/>
+            <a:off x="1243641" y="6858000"/>
+            <a:ext cx="9704717" cy="138499"/>
           </a:xfrm>
           <a:prstGeom prst="rect">
             <a:avLst/>
           </a:prstGeom>
-          <a:solidFill>
-            <a:srgbClr val="000000"/>
-          </a:solidFill>
-        </p:spPr>
-        <p:txBody>
-          <a:bodyPr wrap="none" lIns="0" tIns="0" rIns="0" bIns="0" rtlCol="0">
+          <a:noFill/>
+        </p:spPr>
+        <p:txBody>
+          <a:bodyPr wrap="square" lIns="0" tIns="0" rIns="0" bIns="0" rtlCol="0">
             <a:spAutoFit/>
           </a:bodyPr>
           <a:lstStyle/>
           <a:p>
-            <a:pPr algn="r">
-              <a:spcAft>
-                <a:spcPts val="600"/>
-              </a:spcAft>
-            </a:pPr>
-            <a:r>
-              <a:rPr lang="LID4096" sz="700" dirty="0">
-                <a:solidFill>
-                  <a:srgbClr val="FFFFFF"/>
-                </a:solidFill>
-                <a:hlinkClick r:id="rId3" tooltip="https://www.quelledergnade.de/deutsch/agenda/">
-                  <a:extLst>
-                    <a:ext uri="{A12FA001-AC4F-418D-AE19-62706E023703}">
-                      <ahyp:hlinkClr xmlns:ahyp="http://schemas.microsoft.com/office/drawing/2018/hyperlinkcolor" val="tx"/>
-                    </a:ext>
-                  </a:extLst>
-                </a:hlinkClick>
+            <a:r>
+              <a:rPr lang="en-US" sz="900" dirty="0">
+                <a:hlinkClick r:id="rId4" tooltip="https://protectme.blog/apps/protect-me-from-dangerous-mobile-apps/"/>
               </a:rPr>
               <a:t>This Photo</a:t>
             </a:r>
             <a:r>
-              <a:rPr lang="LID4096" sz="700" dirty="0">
-                <a:solidFill>
-                  <a:srgbClr val="FFFFFF"/>
-                </a:solidFill>
+              <a:rPr lang="en-US" sz="900" dirty="0"/>
+              <a:t> by Unknown Author is licensed under </a:t>
+            </a:r>
+            <a:r>
+              <a:rPr lang="en-US" sz="900" dirty="0">
+                <a:hlinkClick r:id="rId6" tooltip="https://creativecommons.org/licenses/by/3.0/"/>
               </a:rPr>
-              <a:t> by Unknown Author is licensed under </a:t>
-            </a:r>
-            <a:r>
-              <a:rPr lang="LID4096" sz="700" dirty="0">
-                <a:solidFill>
-                  <a:srgbClr val="FFFFFF"/>
-                </a:solidFill>
-                <a:hlinkClick r:id="rId4" tooltip="https://creativecommons.org/licenses/by-nc-nd/3.0/">
-                  <a:extLst>
-                    <a:ext uri="{A12FA001-AC4F-418D-AE19-62706E023703}">
-                      <ahyp:hlinkClr xmlns:ahyp="http://schemas.microsoft.com/office/drawing/2018/hyperlinkcolor" val="tx"/>
-                    </a:ext>
-                  </a:extLst>
-                </a:hlinkClick>
-              </a:rPr>
-              <a:t>CC BY-NC-ND</a:t>
-            </a:r>
-            <a:endParaRPr lang="LID4096" sz="700" dirty="0">
-              <a:solidFill>
-                <a:srgbClr val="FFFFFF"/>
-              </a:solidFill>
-            </a:endParaRPr>
+              <a:t>CC BY</a:t>
+            </a:r>
+            <a:endParaRPr lang="en-US" sz="900" dirty="0"/>
           </a:p>
         </p:txBody>
       </p:sp>
     </p:spTree>
     <p:extLst>
       <p:ext uri="{BB962C8B-B14F-4D97-AF65-F5344CB8AC3E}">
-        <p14:creationId xmlns:p14="http://schemas.microsoft.com/office/powerpoint/2010/main" val="2302980689"/>
+        <p14:creationId xmlns:p14="http://schemas.microsoft.com/office/powerpoint/2010/main" val="1767337239"/>
       </p:ext>
     </p:extLst>
   </p:cSld>
@@ -56645,6 +56713,637 @@
           <a:chExt cx="0" cy="0"/>
         </a:xfrm>
       </p:grpSpPr>
+      <p:pic>
+        <p:nvPicPr>
+          <p:cNvPr id="11" name="Picture 10" descr="A pencil on a piece of paper&#10;&#10;Description automatically generated with medium confidence">
+            <a:extLst>
+              <a:ext uri="{FF2B5EF4-FFF2-40B4-BE49-F238E27FC236}">
+                <a16:creationId xmlns:a16="http://schemas.microsoft.com/office/drawing/2014/main" id="{1ABFD933-2F81-46D6-A8CF-E96873320ABC}"/>
+              </a:ext>
+            </a:extLst>
+          </p:cNvPr>
+          <p:cNvPicPr>
+            <a:picLocks noChangeAspect="1"/>
+          </p:cNvPicPr>
+          <p:nvPr/>
+        </p:nvPicPr>
+        <p:blipFill rotWithShape="1">
+          <a:blip r:embed="rId2">
+            <a:extLst>
+              <a:ext uri="{837473B0-CC2E-450A-ABE3-18F120FF3D39}">
+                <a1611:picAttrSrcUrl xmlns:a1611="http://schemas.microsoft.com/office/drawing/2016/11/main" r:id="rId3"/>
+              </a:ext>
+            </a:extLst>
+          </a:blip>
+          <a:srcRect r="41176" b="33785"/>
+          <a:stretch/>
+        </p:blipFill>
+        <p:spPr>
+          <a:xfrm>
+            <a:off x="0" y="-106832"/>
+            <a:ext cx="12191999" cy="6964832"/>
+          </a:xfrm>
+          <a:prstGeom prst="rect">
+            <a:avLst/>
+          </a:prstGeom>
+          <a:noFill/>
+        </p:spPr>
+      </p:pic>
+      <p:sp>
+        <p:nvSpPr>
+          <p:cNvPr id="5" name="Title 4">
+            <a:extLst>
+              <a:ext uri="{FF2B5EF4-FFF2-40B4-BE49-F238E27FC236}">
+                <a16:creationId xmlns:a16="http://schemas.microsoft.com/office/drawing/2014/main" id="{142EE401-AC4D-4251-8214-E1246F6CC9E3}"/>
+              </a:ext>
+            </a:extLst>
+          </p:cNvPr>
+          <p:cNvSpPr>
+            <a:spLocks noGrp="1"/>
+          </p:cNvSpPr>
+          <p:nvPr>
+            <p:ph type="title" idx="4294967295"/>
+          </p:nvPr>
+        </p:nvSpPr>
+        <p:spPr>
+          <a:xfrm>
+            <a:off x="584200" y="457200"/>
+            <a:ext cx="4416425" cy="553998"/>
+          </a:xfrm>
+        </p:spPr>
+        <p:txBody>
+          <a:bodyPr wrap="square" anchor="t">
+            <a:normAutofit/>
+          </a:bodyPr>
+          <a:lstStyle/>
+          <a:p>
+            <a:r>
+              <a:rPr lang="en-US" noProof="0" dirty="0"/>
+              <a:t>Agenda</a:t>
+            </a:r>
+          </a:p>
+        </p:txBody>
+      </p:sp>
+      <p:sp>
+        <p:nvSpPr>
+          <p:cNvPr id="6" name="Text Placeholder 5">
+            <a:extLst>
+              <a:ext uri="{FF2B5EF4-FFF2-40B4-BE49-F238E27FC236}">
+                <a16:creationId xmlns:a16="http://schemas.microsoft.com/office/drawing/2014/main" id="{F028372C-E3E3-443E-813E-6992300B3081}"/>
+              </a:ext>
+            </a:extLst>
+          </p:cNvPr>
+          <p:cNvSpPr>
+            <a:spLocks noGrp="1"/>
+          </p:cNvSpPr>
+          <p:nvPr>
+            <p:ph type="body" sz="quarter" idx="11"/>
+          </p:nvPr>
+        </p:nvSpPr>
+        <p:spPr>
+          <a:xfrm>
+            <a:off x="584200" y="1436688"/>
+            <a:ext cx="5411486" cy="4049712"/>
+          </a:xfrm>
+        </p:spPr>
+        <p:txBody>
+          <a:bodyPr wrap="square">
+            <a:normAutofit/>
+          </a:bodyPr>
+          <a:lstStyle/>
+          <a:p>
+            <a:r>
+              <a:rPr lang="en-US" dirty="0"/>
+              <a:t>Mobile and Desktop Applications (by Ali)</a:t>
+            </a:r>
+          </a:p>
+          <a:p>
+            <a:pPr marL="342900" indent="-342900">
+              <a:buFont typeface="Arial" panose="020B0604020202020204" pitchFamily="34" charset="0"/>
+              <a:buChar char="•"/>
+            </a:pPr>
+            <a:r>
+              <a:rPr lang="en-US" dirty="0"/>
+              <a:t>MVVM Architectural Pattern</a:t>
+            </a:r>
+          </a:p>
+          <a:p>
+            <a:pPr marL="342900" indent="-342900">
+              <a:buFont typeface="Arial" panose="020B0604020202020204" pitchFamily="34" charset="0"/>
+              <a:buChar char="•"/>
+            </a:pPr>
+            <a:r>
+              <a:rPr lang="en-US" dirty="0" err="1"/>
+              <a:t>Xamarin.Forms</a:t>
+            </a:r>
+            <a:endParaRPr lang="en-US" dirty="0"/>
+          </a:p>
+          <a:p>
+            <a:pPr marL="342900" indent="-342900">
+              <a:buFont typeface="Arial" panose="020B0604020202020204" pitchFamily="34" charset="0"/>
+              <a:buChar char="•"/>
+            </a:pPr>
+            <a:r>
+              <a:rPr lang="en-US" dirty="0"/>
+              <a:t>.NET Multi-platform App UI (MAUI)</a:t>
+            </a:r>
+          </a:p>
+          <a:p>
+            <a:r>
+              <a:rPr lang="en-US" noProof="0" dirty="0"/>
+              <a:t>Upgrading .NET applications</a:t>
+            </a:r>
+          </a:p>
+          <a:p>
+            <a:r>
+              <a:rPr lang="en-US" dirty="0" err="1"/>
+              <a:t>Blazor</a:t>
+            </a:r>
+            <a:r>
+              <a:rPr lang="en-US" dirty="0"/>
+              <a:t> follow-up</a:t>
+            </a:r>
+          </a:p>
+          <a:p>
+            <a:r>
+              <a:rPr lang="en-US" dirty="0"/>
+              <a:t>Windows Applications</a:t>
+            </a:r>
+          </a:p>
+          <a:p>
+            <a:pPr marL="342900" indent="-342900">
+              <a:buFont typeface="Arial" panose="020B0604020202020204" pitchFamily="34" charset="0"/>
+              <a:buChar char="•"/>
+            </a:pPr>
+            <a:r>
+              <a:rPr lang="en-US" dirty="0"/>
+              <a:t>Windows Forms (WinForms)</a:t>
+            </a:r>
+          </a:p>
+          <a:p>
+            <a:pPr marL="342900" indent="-342900">
+              <a:buFont typeface="Arial" panose="020B0604020202020204" pitchFamily="34" charset="0"/>
+              <a:buChar char="•"/>
+            </a:pPr>
+            <a:r>
+              <a:rPr lang="en-US" dirty="0"/>
+              <a:t>Windows Presentation Foundation (WPF)</a:t>
+            </a:r>
+          </a:p>
+        </p:txBody>
+      </p:sp>
+      <p:sp>
+        <p:nvSpPr>
+          <p:cNvPr id="12" name="TextBox 11">
+            <a:extLst>
+              <a:ext uri="{FF2B5EF4-FFF2-40B4-BE49-F238E27FC236}">
+                <a16:creationId xmlns:a16="http://schemas.microsoft.com/office/drawing/2014/main" id="{0FCD991C-C174-4CF3-A5B0-C992EB49D0F8}"/>
+              </a:ext>
+            </a:extLst>
+          </p:cNvPr>
+          <p:cNvSpPr txBox="1"/>
+          <p:nvPr/>
+        </p:nvSpPr>
+        <p:spPr>
+          <a:xfrm>
+            <a:off x="9581417" y="7188608"/>
+            <a:ext cx="2511906" cy="107722"/>
+          </a:xfrm>
+          <a:prstGeom prst="rect">
+            <a:avLst/>
+          </a:prstGeom>
+          <a:solidFill>
+            <a:srgbClr val="000000"/>
+          </a:solidFill>
+        </p:spPr>
+        <p:txBody>
+          <a:bodyPr wrap="none" lIns="0" tIns="0" rIns="0" bIns="0" rtlCol="0">
+            <a:spAutoFit/>
+          </a:bodyPr>
+          <a:lstStyle/>
+          <a:p>
+            <a:pPr algn="r">
+              <a:spcAft>
+                <a:spcPts val="600"/>
+              </a:spcAft>
+            </a:pPr>
+            <a:r>
+              <a:rPr lang="LID4096" sz="700" dirty="0">
+                <a:solidFill>
+                  <a:srgbClr val="FFFFFF"/>
+                </a:solidFill>
+                <a:hlinkClick r:id="rId3" tooltip="https://www.quelledergnade.de/deutsch/agenda/">
+                  <a:extLst>
+                    <a:ext uri="{A12FA001-AC4F-418D-AE19-62706E023703}">
+                      <ahyp:hlinkClr xmlns:ahyp="http://schemas.microsoft.com/office/drawing/2018/hyperlinkcolor" val="tx"/>
+                    </a:ext>
+                  </a:extLst>
+                </a:hlinkClick>
+              </a:rPr>
+              <a:t>This Photo</a:t>
+            </a:r>
+            <a:r>
+              <a:rPr lang="LID4096" sz="700" dirty="0">
+                <a:solidFill>
+                  <a:srgbClr val="FFFFFF"/>
+                </a:solidFill>
+              </a:rPr>
+              <a:t> by Unknown Author is licensed under </a:t>
+            </a:r>
+            <a:r>
+              <a:rPr lang="LID4096" sz="700" dirty="0">
+                <a:solidFill>
+                  <a:srgbClr val="FFFFFF"/>
+                </a:solidFill>
+                <a:hlinkClick r:id="rId4" tooltip="https://creativecommons.org/licenses/by-nc-nd/3.0/">
+                  <a:extLst>
+                    <a:ext uri="{A12FA001-AC4F-418D-AE19-62706E023703}">
+                      <ahyp:hlinkClr xmlns:ahyp="http://schemas.microsoft.com/office/drawing/2018/hyperlinkcolor" val="tx"/>
+                    </a:ext>
+                  </a:extLst>
+                </a:hlinkClick>
+              </a:rPr>
+              <a:t>CC BY-NC-ND</a:t>
+            </a:r>
+            <a:endParaRPr lang="LID4096" sz="700" dirty="0">
+              <a:solidFill>
+                <a:srgbClr val="FFFFFF"/>
+              </a:solidFill>
+            </a:endParaRPr>
+          </a:p>
+        </p:txBody>
+      </p:sp>
+    </p:spTree>
+    <p:extLst>
+      <p:ext uri="{BB962C8B-B14F-4D97-AF65-F5344CB8AC3E}">
+        <p14:creationId xmlns:p14="http://schemas.microsoft.com/office/powerpoint/2010/main" val="2302980689"/>
+      </p:ext>
+    </p:extLst>
+  </p:cSld>
+  <p:clrMapOvr>
+    <a:masterClrMapping/>
+  </p:clrMapOvr>
+  <p:transition>
+    <p:fade/>
+  </p:transition>
+</p:sld>
+</file>
+
+<file path=ppt/slides/slide4.xml><?xml version="1.0" encoding="utf-8"?>
+<p:sld xmlns:a="http://schemas.openxmlformats.org/drawingml/2006/main" xmlns:r="http://schemas.openxmlformats.org/officeDocument/2006/relationships" xmlns:p="http://schemas.openxmlformats.org/presentationml/2006/main">
+  <p:cSld>
+    <p:spTree>
+      <p:nvGrpSpPr>
+        <p:cNvPr id="1" name=""/>
+        <p:cNvGrpSpPr/>
+        <p:nvPr/>
+      </p:nvGrpSpPr>
+      <p:grpSpPr>
+        <a:xfrm>
+          <a:off x="0" y="0"/>
+          <a:ext cx="0" cy="0"/>
+          <a:chOff x="0" y="0"/>
+          <a:chExt cx="0" cy="0"/>
+        </a:xfrm>
+      </p:grpSpPr>
+      <p:sp>
+        <p:nvSpPr>
+          <p:cNvPr id="4" name="Title 3">
+            <a:extLst>
+              <a:ext uri="{FF2B5EF4-FFF2-40B4-BE49-F238E27FC236}">
+                <a16:creationId xmlns:a16="http://schemas.microsoft.com/office/drawing/2014/main" id="{EF810A32-2A1F-44BE-A3D0-408F051A6FCF}"/>
+              </a:ext>
+            </a:extLst>
+          </p:cNvPr>
+          <p:cNvSpPr>
+            <a:spLocks noGrp="1"/>
+          </p:cNvSpPr>
+          <p:nvPr>
+            <p:ph type="title"/>
+          </p:nvPr>
+        </p:nvSpPr>
+        <p:spPr/>
+        <p:txBody>
+          <a:bodyPr/>
+          <a:lstStyle/>
+          <a:p>
+            <a:r>
+              <a:rPr lang="en-US" dirty="0"/>
+              <a:t>Upgrading .NET Applications</a:t>
+            </a:r>
+          </a:p>
+        </p:txBody>
+      </p:sp>
+    </p:spTree>
+    <p:extLst>
+      <p:ext uri="{BB962C8B-B14F-4D97-AF65-F5344CB8AC3E}">
+        <p14:creationId xmlns:p14="http://schemas.microsoft.com/office/powerpoint/2010/main" val="4214794913"/>
+      </p:ext>
+    </p:extLst>
+  </p:cSld>
+  <p:clrMapOvr>
+    <a:masterClrMapping/>
+  </p:clrMapOvr>
+  <mc:AlternateContent xmlns:mc="http://schemas.openxmlformats.org/markup-compatibility/2006" xmlns:p14="http://schemas.microsoft.com/office/powerpoint/2010/main">
+    <mc:Choice Requires="p14">
+      <p:transition spd="med" p14:dur="700">
+        <p:fade/>
+      </p:transition>
+    </mc:Choice>
+    <mc:Fallback xmlns="">
+      <p:transition spd="med">
+        <p:fade/>
+      </p:transition>
+    </mc:Fallback>
+  </mc:AlternateContent>
+</p:sld>
+</file>
+
+<file path=ppt/slides/slide5.xml><?xml version="1.0" encoding="utf-8"?>
+<p:sld xmlns:a="http://schemas.openxmlformats.org/drawingml/2006/main" xmlns:r="http://schemas.openxmlformats.org/officeDocument/2006/relationships" xmlns:p="http://schemas.openxmlformats.org/presentationml/2006/main">
+  <p:cSld>
+    <p:spTree>
+      <p:nvGrpSpPr>
+        <p:cNvPr id="1" name=""/>
+        <p:cNvGrpSpPr/>
+        <p:nvPr/>
+      </p:nvGrpSpPr>
+      <p:grpSpPr>
+        <a:xfrm>
+          <a:off x="0" y="0"/>
+          <a:ext cx="0" cy="0"/>
+          <a:chOff x="0" y="0"/>
+          <a:chExt cx="0" cy="0"/>
+        </a:xfrm>
+      </p:grpSpPr>
+      <p:sp>
+        <p:nvSpPr>
+          <p:cNvPr id="6" name="Title 5">
+            <a:extLst>
+              <a:ext uri="{FF2B5EF4-FFF2-40B4-BE49-F238E27FC236}">
+                <a16:creationId xmlns:a16="http://schemas.microsoft.com/office/drawing/2014/main" id="{31487626-21D3-455A-9662-0A24B930283C}"/>
+              </a:ext>
+            </a:extLst>
+          </p:cNvPr>
+          <p:cNvSpPr>
+            <a:spLocks noGrp="1"/>
+          </p:cNvSpPr>
+          <p:nvPr>
+            <p:ph type="title"/>
+          </p:nvPr>
+        </p:nvSpPr>
+        <p:spPr/>
+        <p:txBody>
+          <a:bodyPr/>
+          <a:lstStyle/>
+          <a:p>
+            <a:r>
+              <a:rPr lang="en-US" dirty="0"/>
+              <a:t>The Tools</a:t>
+            </a:r>
+          </a:p>
+        </p:txBody>
+      </p:sp>
+      <p:sp>
+        <p:nvSpPr>
+          <p:cNvPr id="7" name="Text Placeholder 6">
+            <a:extLst>
+              <a:ext uri="{FF2B5EF4-FFF2-40B4-BE49-F238E27FC236}">
+                <a16:creationId xmlns:a16="http://schemas.microsoft.com/office/drawing/2014/main" id="{5D391C28-E136-4AD2-B848-6DB1F1C09584}"/>
+              </a:ext>
+            </a:extLst>
+          </p:cNvPr>
+          <p:cNvSpPr>
+            <a:spLocks noGrp="1"/>
+          </p:cNvSpPr>
+          <p:nvPr>
+            <p:ph type="body" sz="quarter" idx="10"/>
+          </p:nvPr>
+        </p:nvSpPr>
+        <p:spPr>
+          <a:xfrm>
+            <a:off x="588263" y="1436688"/>
+            <a:ext cx="11018520" cy="1982081"/>
+          </a:xfrm>
+        </p:spPr>
+        <p:txBody>
+          <a:bodyPr/>
+          <a:lstStyle/>
+          <a:p>
+            <a:r>
+              <a:rPr lang="en-US" dirty="0">
+                <a:latin typeface="Cascadia Code" panose="020B0609020000020004" pitchFamily="49" charset="0"/>
+                <a:cs typeface="Cascadia Code" panose="020B0609020000020004" pitchFamily="49" charset="0"/>
+              </a:rPr>
+              <a:t>dotnet tool install --global upgrade-assistant</a:t>
+            </a:r>
+          </a:p>
+          <a:p>
+            <a:endParaRPr lang="en-US" dirty="0">
+              <a:latin typeface="Cascadia Code" panose="020B0609020000020004" pitchFamily="49" charset="0"/>
+              <a:cs typeface="Cascadia Code" panose="020B0609020000020004" pitchFamily="49" charset="0"/>
+            </a:endParaRPr>
+          </a:p>
+          <a:p>
+            <a:r>
+              <a:rPr lang="en-US" dirty="0">
+                <a:latin typeface="Cascadia Code" panose="020B0609020000020004" pitchFamily="49" charset="0"/>
+                <a:cs typeface="Cascadia Code" panose="020B0609020000020004" pitchFamily="49" charset="0"/>
+              </a:rPr>
+              <a:t>dotnet tool install --global try-convert</a:t>
+            </a:r>
+          </a:p>
+          <a:p>
+            <a:endParaRPr lang="en-US" dirty="0">
+              <a:latin typeface="Cascadia Code" panose="020B0609020000020004" pitchFamily="49" charset="0"/>
+              <a:cs typeface="Cascadia Code" panose="020B0609020000020004" pitchFamily="49" charset="0"/>
+            </a:endParaRPr>
+          </a:p>
+        </p:txBody>
+      </p:sp>
+    </p:spTree>
+    <p:extLst>
+      <p:ext uri="{BB962C8B-B14F-4D97-AF65-F5344CB8AC3E}">
+        <p14:creationId xmlns:p14="http://schemas.microsoft.com/office/powerpoint/2010/main" val="3275962366"/>
+      </p:ext>
+    </p:extLst>
+  </p:cSld>
+  <p:clrMapOvr>
+    <a:masterClrMapping/>
+  </p:clrMapOvr>
+  <p:transition>
+    <p:fade/>
+  </p:transition>
+</p:sld>
+</file>
+
+<file path=ppt/slides/slide6.xml><?xml version="1.0" encoding="utf-8"?>
+<p:sld xmlns:a="http://schemas.openxmlformats.org/drawingml/2006/main" xmlns:r="http://schemas.openxmlformats.org/officeDocument/2006/relationships" xmlns:p="http://schemas.openxmlformats.org/presentationml/2006/main">
+  <p:cSld>
+    <p:spTree>
+      <p:nvGrpSpPr>
+        <p:cNvPr id="1" name=""/>
+        <p:cNvGrpSpPr/>
+        <p:nvPr/>
+      </p:nvGrpSpPr>
+      <p:grpSpPr>
+        <a:xfrm>
+          <a:off x="0" y="0"/>
+          <a:ext cx="0" cy="0"/>
+          <a:chOff x="0" y="0"/>
+          <a:chExt cx="0" cy="0"/>
+        </a:xfrm>
+      </p:grpSpPr>
+      <p:sp>
+        <p:nvSpPr>
+          <p:cNvPr id="2" name="Title 1">
+            <a:extLst>
+              <a:ext uri="{FF2B5EF4-FFF2-40B4-BE49-F238E27FC236}">
+                <a16:creationId xmlns:a16="http://schemas.microsoft.com/office/drawing/2014/main" id="{F24394E0-08B0-4014-A6A2-EF25023AB410}"/>
+              </a:ext>
+            </a:extLst>
+          </p:cNvPr>
+          <p:cNvSpPr>
+            <a:spLocks noGrp="1"/>
+          </p:cNvSpPr>
+          <p:nvPr>
+            <p:ph type="title"/>
+          </p:nvPr>
+        </p:nvSpPr>
+        <p:spPr/>
+        <p:txBody>
+          <a:bodyPr/>
+          <a:lstStyle/>
+          <a:p>
+            <a:r>
+              <a:rPr lang="en-US" dirty="0"/>
+              <a:t>Update your stack</a:t>
+            </a:r>
+          </a:p>
+        </p:txBody>
+      </p:sp>
+      <p:sp>
+        <p:nvSpPr>
+          <p:cNvPr id="3" name="Text Placeholder 2">
+            <a:extLst>
+              <a:ext uri="{FF2B5EF4-FFF2-40B4-BE49-F238E27FC236}">
+                <a16:creationId xmlns:a16="http://schemas.microsoft.com/office/drawing/2014/main" id="{398FAEA3-4242-491F-A3E9-AF25D47414DA}"/>
+              </a:ext>
+            </a:extLst>
+          </p:cNvPr>
+          <p:cNvSpPr>
+            <a:spLocks noGrp="1"/>
+          </p:cNvSpPr>
+          <p:nvPr>
+            <p:ph type="body" sz="quarter" idx="10"/>
+          </p:nvPr>
+        </p:nvSpPr>
+        <p:spPr>
+          <a:xfrm>
+            <a:off x="588263" y="1436688"/>
+            <a:ext cx="11018520" cy="2499146"/>
+          </a:xfrm>
+        </p:spPr>
+        <p:txBody>
+          <a:bodyPr/>
+          <a:lstStyle/>
+          <a:p>
+            <a:r>
+              <a:rPr lang="en-US" dirty="0">
+                <a:latin typeface="+mn-lt"/>
+                <a:cs typeface="Cascadia Code" panose="020B0609020000020004" pitchFamily="49" charset="0"/>
+              </a:rPr>
+              <a:t>Get the latest .NET SDK: </a:t>
+            </a:r>
+            <a:r>
+              <a:rPr lang="en-US" dirty="0">
+                <a:latin typeface="+mn-lt"/>
+                <a:cs typeface="Cascadia Code" panose="020B0609020000020004" pitchFamily="49" charset="0"/>
+                <a:hlinkClick r:id="rId2"/>
+              </a:rPr>
+              <a:t>https://dot.net/</a:t>
+            </a:r>
+            <a:endParaRPr lang="en-US" dirty="0">
+              <a:latin typeface="+mn-lt"/>
+              <a:cs typeface="Cascadia Code" panose="020B0609020000020004" pitchFamily="49" charset="0"/>
+            </a:endParaRPr>
+          </a:p>
+          <a:p>
+            <a:endParaRPr lang="en-US" dirty="0">
+              <a:latin typeface="Cascadia Code" panose="020B0609020000020004" pitchFamily="49" charset="0"/>
+              <a:cs typeface="Cascadia Code" panose="020B0609020000020004" pitchFamily="49" charset="0"/>
+            </a:endParaRPr>
+          </a:p>
+          <a:p>
+            <a:r>
+              <a:rPr lang="en-US" dirty="0">
+                <a:latin typeface="Cascadia Code" panose="020B0609020000020004" pitchFamily="49" charset="0"/>
+                <a:cs typeface="Cascadia Code" panose="020B0609020000020004" pitchFamily="49" charset="0"/>
+              </a:rPr>
+              <a:t>dotnet tool list --global</a:t>
+            </a:r>
+          </a:p>
+          <a:p>
+            <a:endParaRPr lang="en-US" dirty="0">
+              <a:latin typeface="Cascadia Code" panose="020B0609020000020004" pitchFamily="49" charset="0"/>
+              <a:cs typeface="Cascadia Code" panose="020B0609020000020004" pitchFamily="49" charset="0"/>
+            </a:endParaRPr>
+          </a:p>
+          <a:p>
+            <a:r>
+              <a:rPr lang="en-US" dirty="0">
+                <a:latin typeface="Cascadia Code" panose="020B0609020000020004" pitchFamily="49" charset="0"/>
+                <a:cs typeface="Cascadia Code" panose="020B0609020000020004" pitchFamily="49" charset="0"/>
+              </a:rPr>
+              <a:t>dotnet tool update --global dotnet-</a:t>
+            </a:r>
+            <a:r>
+              <a:rPr lang="en-US" dirty="0" err="1">
+                <a:latin typeface="Cascadia Code" panose="020B0609020000020004" pitchFamily="49" charset="0"/>
+                <a:cs typeface="Cascadia Code" panose="020B0609020000020004" pitchFamily="49" charset="0"/>
+              </a:rPr>
+              <a:t>ef</a:t>
+            </a:r>
+            <a:endParaRPr lang="en-US" dirty="0">
+              <a:latin typeface="Cascadia Code" panose="020B0609020000020004" pitchFamily="49" charset="0"/>
+              <a:cs typeface="Cascadia Code" panose="020B0609020000020004" pitchFamily="49" charset="0"/>
+            </a:endParaRPr>
+          </a:p>
+        </p:txBody>
+      </p:sp>
+    </p:spTree>
+    <p:extLst>
+      <p:ext uri="{BB962C8B-B14F-4D97-AF65-F5344CB8AC3E}">
+        <p14:creationId xmlns:p14="http://schemas.microsoft.com/office/powerpoint/2010/main" val="3224654511"/>
+      </p:ext>
+    </p:extLst>
+  </p:cSld>
+  <p:clrMapOvr>
+    <a:masterClrMapping/>
+  </p:clrMapOvr>
+  <p:transition>
+    <p:fade/>
+  </p:transition>
+</p:sld>
+</file>
+
+<file path=ppt/slides/slide7.xml><?xml version="1.0" encoding="utf-8"?>
+<p:sld xmlns:a="http://schemas.openxmlformats.org/drawingml/2006/main" xmlns:r="http://schemas.openxmlformats.org/officeDocument/2006/relationships" xmlns:p="http://schemas.openxmlformats.org/presentationml/2006/main">
+  <p:cSld>
+    <p:spTree>
+      <p:nvGrpSpPr>
+        <p:cNvPr id="1" name=""/>
+        <p:cNvGrpSpPr/>
+        <p:nvPr/>
+      </p:nvGrpSpPr>
+      <p:grpSpPr>
+        <a:xfrm>
+          <a:off x="0" y="0"/>
+          <a:ext cx="0" cy="0"/>
+          <a:chOff x="0" y="0"/>
+          <a:chExt cx="0" cy="0"/>
+        </a:xfrm>
+      </p:grpSpPr>
       <p:sp>
         <p:nvSpPr>
           <p:cNvPr id="5" name="Title 4">
@@ -56726,7 +57425,7 @@
 </p:sld>
 </file>
 
-<file path=ppt/slides/slide4.xml><?xml version="1.0" encoding="utf-8"?>
+<file path=ppt/slides/slide8.xml><?xml version="1.0" encoding="utf-8"?>
 <p:sld xmlns:a="http://schemas.openxmlformats.org/drawingml/2006/main" xmlns:r="http://schemas.openxmlformats.org/officeDocument/2006/relationships" xmlns:p="http://schemas.openxmlformats.org/presentationml/2006/main">
   <p:cSld>
     <p:spTree>
